--- a/ECF2 Conception et modélisation.pptx
+++ b/ECF2 Conception et modélisation.pptx
@@ -7,6 +7,8 @@
   <p:sldIdLst>
     <p:sldId id="256" r:id="rId2"/>
     <p:sldId id="257" r:id="rId3"/>
+    <p:sldId id="258" r:id="rId4"/>
+    <p:sldId id="259" r:id="rId5"/>
   </p:sldIdLst>
   <p:sldSz cx="12192000" cy="6858000"/>
   <p:notesSz cx="6858000" cy="9144000"/>
@@ -105,6 +107,11 @@
       </a:defRPr>
     </a:lvl9pPr>
   </p:defaultTextStyle>
+  <p:extLst>
+    <p:ext uri="{EFAFB233-063F-42B5-8137-9DF3F51BA10A}">
+      <p15:sldGuideLst xmlns:p15="http://schemas.microsoft.com/office/powerpoint/2012/main"/>
+    </p:ext>
+  </p:extLst>
 </p:presentation>
 </file>
 
@@ -255,7 +262,7 @@
           <a:p>
             <a:fld id="{C52CD7AC-2FAC-4643-A272-92103E91FE8E}" type="datetimeFigureOut">
               <a:rPr lang="fr-FR" smtClean="0"/>
-              <a:t>21/10/2020</a:t>
+              <a:t>28/10/2020</a:t>
             </a:fld>
             <a:endParaRPr lang="fr-FR"/>
           </a:p>
@@ -453,7 +460,7 @@
           <a:p>
             <a:fld id="{C52CD7AC-2FAC-4643-A272-92103E91FE8E}" type="datetimeFigureOut">
               <a:rPr lang="fr-FR" smtClean="0"/>
-              <a:t>21/10/2020</a:t>
+              <a:t>28/10/2020</a:t>
             </a:fld>
             <a:endParaRPr lang="fr-FR"/>
           </a:p>
@@ -661,7 +668,7 @@
           <a:p>
             <a:fld id="{C52CD7AC-2FAC-4643-A272-92103E91FE8E}" type="datetimeFigureOut">
               <a:rPr lang="fr-FR" smtClean="0"/>
-              <a:t>21/10/2020</a:t>
+              <a:t>28/10/2020</a:t>
             </a:fld>
             <a:endParaRPr lang="fr-FR"/>
           </a:p>
@@ -859,7 +866,7 @@
           <a:p>
             <a:fld id="{C52CD7AC-2FAC-4643-A272-92103E91FE8E}" type="datetimeFigureOut">
               <a:rPr lang="fr-FR" smtClean="0"/>
-              <a:t>21/10/2020</a:t>
+              <a:t>28/10/2020</a:t>
             </a:fld>
             <a:endParaRPr lang="fr-FR"/>
           </a:p>
@@ -1134,7 +1141,7 @@
           <a:p>
             <a:fld id="{C52CD7AC-2FAC-4643-A272-92103E91FE8E}" type="datetimeFigureOut">
               <a:rPr lang="fr-FR" smtClean="0"/>
-              <a:t>21/10/2020</a:t>
+              <a:t>28/10/2020</a:t>
             </a:fld>
             <a:endParaRPr lang="fr-FR"/>
           </a:p>
@@ -1399,7 +1406,7 @@
           <a:p>
             <a:fld id="{C52CD7AC-2FAC-4643-A272-92103E91FE8E}" type="datetimeFigureOut">
               <a:rPr lang="fr-FR" smtClean="0"/>
-              <a:t>21/10/2020</a:t>
+              <a:t>28/10/2020</a:t>
             </a:fld>
             <a:endParaRPr lang="fr-FR"/>
           </a:p>
@@ -1811,7 +1818,7 @@
           <a:p>
             <a:fld id="{C52CD7AC-2FAC-4643-A272-92103E91FE8E}" type="datetimeFigureOut">
               <a:rPr lang="fr-FR" smtClean="0"/>
-              <a:t>21/10/2020</a:t>
+              <a:t>28/10/2020</a:t>
             </a:fld>
             <a:endParaRPr lang="fr-FR"/>
           </a:p>
@@ -1952,7 +1959,7 @@
           <a:p>
             <a:fld id="{C52CD7AC-2FAC-4643-A272-92103E91FE8E}" type="datetimeFigureOut">
               <a:rPr lang="fr-FR" smtClean="0"/>
-              <a:t>21/10/2020</a:t>
+              <a:t>28/10/2020</a:t>
             </a:fld>
             <a:endParaRPr lang="fr-FR"/>
           </a:p>
@@ -2065,7 +2072,7 @@
           <a:p>
             <a:fld id="{C52CD7AC-2FAC-4643-A272-92103E91FE8E}" type="datetimeFigureOut">
               <a:rPr lang="fr-FR" smtClean="0"/>
-              <a:t>21/10/2020</a:t>
+              <a:t>28/10/2020</a:t>
             </a:fld>
             <a:endParaRPr lang="fr-FR"/>
           </a:p>
@@ -2376,7 +2383,7 @@
           <a:p>
             <a:fld id="{C52CD7AC-2FAC-4643-A272-92103E91FE8E}" type="datetimeFigureOut">
               <a:rPr lang="fr-FR" smtClean="0"/>
-              <a:t>21/10/2020</a:t>
+              <a:t>28/10/2020</a:t>
             </a:fld>
             <a:endParaRPr lang="fr-FR"/>
           </a:p>
@@ -2664,7 +2671,7 @@
           <a:p>
             <a:fld id="{C52CD7AC-2FAC-4643-A272-92103E91FE8E}" type="datetimeFigureOut">
               <a:rPr lang="fr-FR" smtClean="0"/>
-              <a:t>21/10/2020</a:t>
+              <a:t>28/10/2020</a:t>
             </a:fld>
             <a:endParaRPr lang="fr-FR"/>
           </a:p>
@@ -2905,7 +2912,7 @@
           <a:p>
             <a:fld id="{C52CD7AC-2FAC-4643-A272-92103E91FE8E}" type="datetimeFigureOut">
               <a:rPr lang="fr-FR" smtClean="0"/>
-              <a:t>21/10/2020</a:t>
+              <a:t>28/10/2020</a:t>
             </a:fld>
             <a:endParaRPr lang="fr-FR"/>
           </a:p>
@@ -5265,6 +5272,2073 @@
 </p:sld>
 </file>
 
+<file path=ppt/slides/slide3.xml><?xml version="1.0" encoding="utf-8"?>
+<p:sld xmlns:a="http://schemas.openxmlformats.org/drawingml/2006/main" xmlns:r="http://schemas.openxmlformats.org/officeDocument/2006/relationships" xmlns:p="http://schemas.openxmlformats.org/presentationml/2006/main">
+  <p:cSld>
+    <p:spTree>
+      <p:nvGrpSpPr>
+        <p:cNvPr id="1" name=""/>
+        <p:cNvGrpSpPr/>
+        <p:nvPr/>
+      </p:nvGrpSpPr>
+      <p:grpSpPr>
+        <a:xfrm>
+          <a:off x="0" y="0"/>
+          <a:ext cx="0" cy="0"/>
+          <a:chOff x="0" y="0"/>
+          <a:chExt cx="0" cy="0"/>
+        </a:xfrm>
+      </p:grpSpPr>
+      <p:sp>
+        <p:nvSpPr>
+          <p:cNvPr id="4" name="Rectangle 3">
+            <a:extLst>
+              <a:ext uri="{FF2B5EF4-FFF2-40B4-BE49-F238E27FC236}">
+                <a16:creationId xmlns:a16="http://schemas.microsoft.com/office/drawing/2014/main" id="{1ACEC6DA-E142-4D23-94CD-DEA7EB400D7B}"/>
+              </a:ext>
+            </a:extLst>
+          </p:cNvPr>
+          <p:cNvSpPr/>
+          <p:nvPr/>
+        </p:nvSpPr>
+        <p:spPr>
+          <a:xfrm>
+            <a:off x="1962092" y="1807746"/>
+            <a:ext cx="1562100" cy="482600"/>
+          </a:xfrm>
+          <a:prstGeom prst="rect">
+            <a:avLst/>
+          </a:prstGeom>
+          <a:noFill/>
+        </p:spPr>
+        <p:style>
+          <a:lnRef idx="2">
+            <a:schemeClr val="accent1">
+              <a:shade val="50000"/>
+            </a:schemeClr>
+          </a:lnRef>
+          <a:fillRef idx="1">
+            <a:schemeClr val="accent1"/>
+          </a:fillRef>
+          <a:effectRef idx="0">
+            <a:schemeClr val="accent1"/>
+          </a:effectRef>
+          <a:fontRef idx="minor">
+            <a:schemeClr val="lt1"/>
+          </a:fontRef>
+        </p:style>
+        <p:txBody>
+          <a:bodyPr rtlCol="0" anchor="ctr"/>
+          <a:lstStyle/>
+          <a:p>
+            <a:pPr algn="ctr"/>
+            <a:endParaRPr lang="fr-FR" dirty="0"/>
+          </a:p>
+        </p:txBody>
+      </p:sp>
+      <p:sp>
+        <p:nvSpPr>
+          <p:cNvPr id="5" name="Rectangle 4">
+            <a:extLst>
+              <a:ext uri="{FF2B5EF4-FFF2-40B4-BE49-F238E27FC236}">
+                <a16:creationId xmlns:a16="http://schemas.microsoft.com/office/drawing/2014/main" id="{67AF8C70-9ADF-412D-8D69-DC2D59F2B636}"/>
+              </a:ext>
+            </a:extLst>
+          </p:cNvPr>
+          <p:cNvSpPr/>
+          <p:nvPr/>
+        </p:nvSpPr>
+        <p:spPr>
+          <a:xfrm>
+            <a:off x="1953210" y="2290346"/>
+            <a:ext cx="1562100" cy="1332468"/>
+          </a:xfrm>
+          <a:prstGeom prst="rect">
+            <a:avLst/>
+          </a:prstGeom>
+          <a:noFill/>
+        </p:spPr>
+        <p:style>
+          <a:lnRef idx="2">
+            <a:schemeClr val="accent1">
+              <a:shade val="50000"/>
+            </a:schemeClr>
+          </a:lnRef>
+          <a:fillRef idx="1">
+            <a:schemeClr val="accent1"/>
+          </a:fillRef>
+          <a:effectRef idx="0">
+            <a:schemeClr val="accent1"/>
+          </a:effectRef>
+          <a:fontRef idx="minor">
+            <a:schemeClr val="lt1"/>
+          </a:fontRef>
+        </p:style>
+        <p:txBody>
+          <a:bodyPr rtlCol="0" anchor="ctr"/>
+          <a:lstStyle/>
+          <a:p>
+            <a:pPr algn="ctr"/>
+            <a:endParaRPr lang="fr-FR"/>
+          </a:p>
+        </p:txBody>
+      </p:sp>
+      <p:sp>
+        <p:nvSpPr>
+          <p:cNvPr id="6" name="ZoneTexte 5">
+            <a:extLst>
+              <a:ext uri="{FF2B5EF4-FFF2-40B4-BE49-F238E27FC236}">
+                <a16:creationId xmlns:a16="http://schemas.microsoft.com/office/drawing/2014/main" id="{03A23F16-F3FD-48A7-A82B-152536045360}"/>
+              </a:ext>
+            </a:extLst>
+          </p:cNvPr>
+          <p:cNvSpPr txBox="1"/>
+          <p:nvPr/>
+        </p:nvSpPr>
+        <p:spPr>
+          <a:xfrm>
+            <a:off x="2011757" y="1864380"/>
+            <a:ext cx="1521317" cy="369332"/>
+          </a:xfrm>
+          <a:prstGeom prst="rect">
+            <a:avLst/>
+          </a:prstGeom>
+          <a:noFill/>
+        </p:spPr>
+        <p:txBody>
+          <a:bodyPr wrap="square" rtlCol="0">
+            <a:spAutoFit/>
+          </a:bodyPr>
+          <a:lstStyle/>
+          <a:p>
+            <a:r>
+              <a:rPr lang="fr-FR" dirty="0"/>
+              <a:t>Développeurs</a:t>
+            </a:r>
+          </a:p>
+        </p:txBody>
+      </p:sp>
+      <p:sp>
+        <p:nvSpPr>
+          <p:cNvPr id="7" name="ZoneTexte 6">
+            <a:extLst>
+              <a:ext uri="{FF2B5EF4-FFF2-40B4-BE49-F238E27FC236}">
+                <a16:creationId xmlns:a16="http://schemas.microsoft.com/office/drawing/2014/main" id="{BF408289-8FF2-4BA2-8919-6728267D3D6D}"/>
+              </a:ext>
+            </a:extLst>
+          </p:cNvPr>
+          <p:cNvSpPr txBox="1"/>
+          <p:nvPr/>
+        </p:nvSpPr>
+        <p:spPr>
+          <a:xfrm>
+            <a:off x="1944328" y="2371804"/>
+            <a:ext cx="1503553" cy="1169551"/>
+          </a:xfrm>
+          <a:prstGeom prst="rect">
+            <a:avLst/>
+          </a:prstGeom>
+          <a:noFill/>
+        </p:spPr>
+        <p:txBody>
+          <a:bodyPr wrap="none" rtlCol="0">
+            <a:spAutoFit/>
+          </a:bodyPr>
+          <a:lstStyle/>
+          <a:p>
+            <a:r>
+              <a:rPr lang="fr-FR" sz="1400" dirty="0"/>
+              <a:t>Matricule</a:t>
+            </a:r>
+          </a:p>
+          <a:p>
+            <a:r>
+              <a:rPr lang="fr-FR" sz="1400" dirty="0"/>
+              <a:t>Nom</a:t>
+            </a:r>
+          </a:p>
+          <a:p>
+            <a:r>
+              <a:rPr lang="fr-FR" sz="1400" dirty="0"/>
+              <a:t>Prénom</a:t>
+            </a:r>
+          </a:p>
+          <a:p>
+            <a:r>
+              <a:rPr lang="fr-FR" sz="1400" dirty="0"/>
+              <a:t>Date de naissance</a:t>
+            </a:r>
+          </a:p>
+          <a:p>
+            <a:r>
+              <a:rPr lang="fr-FR" sz="1400" dirty="0"/>
+              <a:t>Date d’entrée</a:t>
+            </a:r>
+          </a:p>
+        </p:txBody>
+      </p:sp>
+      <p:sp>
+        <p:nvSpPr>
+          <p:cNvPr id="8" name="Rectangle : coins arrondis 7">
+            <a:extLst>
+              <a:ext uri="{FF2B5EF4-FFF2-40B4-BE49-F238E27FC236}">
+                <a16:creationId xmlns:a16="http://schemas.microsoft.com/office/drawing/2014/main" id="{B7DB98B3-2F2B-455D-BD8A-EFAE8A0E4A5C}"/>
+              </a:ext>
+            </a:extLst>
+          </p:cNvPr>
+          <p:cNvSpPr/>
+          <p:nvPr/>
+        </p:nvSpPr>
+        <p:spPr>
+          <a:xfrm>
+            <a:off x="4597400" y="2371804"/>
+            <a:ext cx="1739900" cy="773668"/>
+          </a:xfrm>
+          <a:prstGeom prst="roundRect">
+            <a:avLst/>
+          </a:prstGeom>
+          <a:noFill/>
+        </p:spPr>
+        <p:style>
+          <a:lnRef idx="2">
+            <a:schemeClr val="accent1">
+              <a:shade val="50000"/>
+            </a:schemeClr>
+          </a:lnRef>
+          <a:fillRef idx="1">
+            <a:schemeClr val="accent1"/>
+          </a:fillRef>
+          <a:effectRef idx="0">
+            <a:schemeClr val="accent1"/>
+          </a:effectRef>
+          <a:fontRef idx="minor">
+            <a:schemeClr val="lt1"/>
+          </a:fontRef>
+        </p:style>
+        <p:txBody>
+          <a:bodyPr rtlCol="0" anchor="ctr"/>
+          <a:lstStyle/>
+          <a:p>
+            <a:pPr algn="ctr"/>
+            <a:endParaRPr lang="fr-FR"/>
+          </a:p>
+        </p:txBody>
+      </p:sp>
+      <p:cxnSp>
+        <p:nvCxnSpPr>
+          <p:cNvPr id="9" name="Connecteur droit 8">
+            <a:extLst>
+              <a:ext uri="{FF2B5EF4-FFF2-40B4-BE49-F238E27FC236}">
+                <a16:creationId xmlns:a16="http://schemas.microsoft.com/office/drawing/2014/main" id="{C83718BA-268D-4B74-BAB4-AFE3FCFEB533}"/>
+              </a:ext>
+            </a:extLst>
+          </p:cNvPr>
+          <p:cNvCxnSpPr>
+            <a:cxnSpLocks/>
+            <a:stCxn id="8" idx="1"/>
+            <a:endCxn id="8" idx="3"/>
+          </p:cNvCxnSpPr>
+          <p:nvPr/>
+        </p:nvCxnSpPr>
+        <p:spPr>
+          <a:xfrm>
+            <a:off x="4597400" y="2758638"/>
+            <a:ext cx="1739900" cy="0"/>
+          </a:xfrm>
+          <a:prstGeom prst="line">
+            <a:avLst/>
+          </a:prstGeom>
+        </p:spPr>
+        <p:style>
+          <a:lnRef idx="1">
+            <a:schemeClr val="accent1"/>
+          </a:lnRef>
+          <a:fillRef idx="0">
+            <a:schemeClr val="accent1"/>
+          </a:fillRef>
+          <a:effectRef idx="0">
+            <a:schemeClr val="accent1"/>
+          </a:effectRef>
+          <a:fontRef idx="minor">
+            <a:schemeClr val="tx1"/>
+          </a:fontRef>
+        </p:style>
+      </p:cxnSp>
+      <p:sp>
+        <p:nvSpPr>
+          <p:cNvPr id="10" name="Rectangle 9">
+            <a:extLst>
+              <a:ext uri="{FF2B5EF4-FFF2-40B4-BE49-F238E27FC236}">
+                <a16:creationId xmlns:a16="http://schemas.microsoft.com/office/drawing/2014/main" id="{CBC0A97E-9D1E-46ED-A9F5-734A97D3D2AE}"/>
+              </a:ext>
+            </a:extLst>
+          </p:cNvPr>
+          <p:cNvSpPr/>
+          <p:nvPr/>
+        </p:nvSpPr>
+        <p:spPr>
+          <a:xfrm>
+            <a:off x="7366000" y="1807746"/>
+            <a:ext cx="1562100" cy="488434"/>
+          </a:xfrm>
+          <a:prstGeom prst="rect">
+            <a:avLst/>
+          </a:prstGeom>
+          <a:noFill/>
+        </p:spPr>
+        <p:style>
+          <a:lnRef idx="2">
+            <a:schemeClr val="accent1">
+              <a:shade val="50000"/>
+            </a:schemeClr>
+          </a:lnRef>
+          <a:fillRef idx="1">
+            <a:schemeClr val="accent1"/>
+          </a:fillRef>
+          <a:effectRef idx="0">
+            <a:schemeClr val="accent1"/>
+          </a:effectRef>
+          <a:fontRef idx="minor">
+            <a:schemeClr val="lt1"/>
+          </a:fontRef>
+        </p:style>
+        <p:txBody>
+          <a:bodyPr rtlCol="0" anchor="ctr"/>
+          <a:lstStyle/>
+          <a:p>
+            <a:pPr algn="ctr"/>
+            <a:endParaRPr lang="fr-FR"/>
+          </a:p>
+        </p:txBody>
+      </p:sp>
+      <p:sp>
+        <p:nvSpPr>
+          <p:cNvPr id="11" name="ZoneTexte 10">
+            <a:extLst>
+              <a:ext uri="{FF2B5EF4-FFF2-40B4-BE49-F238E27FC236}">
+                <a16:creationId xmlns:a16="http://schemas.microsoft.com/office/drawing/2014/main" id="{DCB94E19-6B19-4CAE-985F-4E8680FDCBD9}"/>
+              </a:ext>
+            </a:extLst>
+          </p:cNvPr>
+          <p:cNvSpPr txBox="1"/>
+          <p:nvPr/>
+        </p:nvSpPr>
+        <p:spPr>
+          <a:xfrm>
+            <a:off x="7448621" y="1864380"/>
+            <a:ext cx="1396857" cy="369332"/>
+          </a:xfrm>
+          <a:prstGeom prst="rect">
+            <a:avLst/>
+          </a:prstGeom>
+          <a:noFill/>
+        </p:spPr>
+        <p:txBody>
+          <a:bodyPr wrap="none" rtlCol="0">
+            <a:spAutoFit/>
+          </a:bodyPr>
+          <a:lstStyle/>
+          <a:p>
+            <a:r>
+              <a:rPr lang="fr-FR" dirty="0"/>
+              <a:t>Technologies</a:t>
+            </a:r>
+          </a:p>
+        </p:txBody>
+      </p:sp>
+      <p:sp>
+        <p:nvSpPr>
+          <p:cNvPr id="12" name="Rectangle 11">
+            <a:extLst>
+              <a:ext uri="{FF2B5EF4-FFF2-40B4-BE49-F238E27FC236}">
+                <a16:creationId xmlns:a16="http://schemas.microsoft.com/office/drawing/2014/main" id="{1705E37B-1593-4D4F-BE56-60B8BF372D54}"/>
+              </a:ext>
+            </a:extLst>
+          </p:cNvPr>
+          <p:cNvSpPr/>
+          <p:nvPr/>
+        </p:nvSpPr>
+        <p:spPr>
+          <a:xfrm>
+            <a:off x="7366000" y="2301437"/>
+            <a:ext cx="1562100" cy="1321375"/>
+          </a:xfrm>
+          <a:prstGeom prst="rect">
+            <a:avLst/>
+          </a:prstGeom>
+          <a:noFill/>
+        </p:spPr>
+        <p:style>
+          <a:lnRef idx="2">
+            <a:schemeClr val="accent1">
+              <a:shade val="50000"/>
+            </a:schemeClr>
+          </a:lnRef>
+          <a:fillRef idx="1">
+            <a:schemeClr val="accent1"/>
+          </a:fillRef>
+          <a:effectRef idx="0">
+            <a:schemeClr val="accent1"/>
+          </a:effectRef>
+          <a:fontRef idx="minor">
+            <a:schemeClr val="lt1"/>
+          </a:fontRef>
+        </p:style>
+        <p:txBody>
+          <a:bodyPr rtlCol="0" anchor="ctr"/>
+          <a:lstStyle/>
+          <a:p>
+            <a:pPr algn="ctr"/>
+            <a:endParaRPr lang="fr-FR"/>
+          </a:p>
+        </p:txBody>
+      </p:sp>
+      <p:sp>
+        <p:nvSpPr>
+          <p:cNvPr id="13" name="ZoneTexte 12">
+            <a:extLst>
+              <a:ext uri="{FF2B5EF4-FFF2-40B4-BE49-F238E27FC236}">
+                <a16:creationId xmlns:a16="http://schemas.microsoft.com/office/drawing/2014/main" id="{7C05C84F-2A58-49C3-8FE3-52BDEA299F56}"/>
+              </a:ext>
+            </a:extLst>
+          </p:cNvPr>
+          <p:cNvSpPr txBox="1"/>
+          <p:nvPr/>
+        </p:nvSpPr>
+        <p:spPr>
+          <a:xfrm>
+            <a:off x="7366000" y="2410122"/>
+            <a:ext cx="1144544" cy="738664"/>
+          </a:xfrm>
+          <a:prstGeom prst="rect">
+            <a:avLst/>
+          </a:prstGeom>
+          <a:noFill/>
+        </p:spPr>
+        <p:txBody>
+          <a:bodyPr wrap="none" rtlCol="0">
+            <a:spAutoFit/>
+          </a:bodyPr>
+          <a:lstStyle/>
+          <a:p>
+            <a:r>
+              <a:rPr lang="fr-FR" sz="1400" dirty="0"/>
+              <a:t>Code</a:t>
+            </a:r>
+          </a:p>
+          <a:p>
+            <a:r>
+              <a:rPr lang="fr-FR" sz="1400" dirty="0"/>
+              <a:t>Nom français</a:t>
+            </a:r>
+          </a:p>
+          <a:p>
+            <a:r>
+              <a:rPr lang="fr-FR" sz="1400" dirty="0"/>
+              <a:t>Nom anglais</a:t>
+            </a:r>
+          </a:p>
+        </p:txBody>
+      </p:sp>
+      <p:sp>
+        <p:nvSpPr>
+          <p:cNvPr id="14" name="Rectangle : coins arrondis 13">
+            <a:extLst>
+              <a:ext uri="{FF2B5EF4-FFF2-40B4-BE49-F238E27FC236}">
+                <a16:creationId xmlns:a16="http://schemas.microsoft.com/office/drawing/2014/main" id="{A5DD1A4E-0B19-454B-B328-4F3F9FC0B644}"/>
+              </a:ext>
+            </a:extLst>
+          </p:cNvPr>
+          <p:cNvSpPr/>
+          <p:nvPr/>
+        </p:nvSpPr>
+        <p:spPr>
+          <a:xfrm>
+            <a:off x="4597400" y="4381500"/>
+            <a:ext cx="1739900" cy="1473200"/>
+          </a:xfrm>
+          <a:prstGeom prst="roundRect">
+            <a:avLst/>
+          </a:prstGeom>
+          <a:noFill/>
+        </p:spPr>
+        <p:style>
+          <a:lnRef idx="2">
+            <a:schemeClr val="accent1">
+              <a:shade val="50000"/>
+            </a:schemeClr>
+          </a:lnRef>
+          <a:fillRef idx="1">
+            <a:schemeClr val="accent1"/>
+          </a:fillRef>
+          <a:effectRef idx="0">
+            <a:schemeClr val="accent1"/>
+          </a:effectRef>
+          <a:fontRef idx="minor">
+            <a:schemeClr val="lt1"/>
+          </a:fontRef>
+        </p:style>
+        <p:txBody>
+          <a:bodyPr rtlCol="0" anchor="ctr"/>
+          <a:lstStyle/>
+          <a:p>
+            <a:pPr algn="ctr"/>
+            <a:endParaRPr lang="fr-FR"/>
+          </a:p>
+        </p:txBody>
+      </p:sp>
+      <p:cxnSp>
+        <p:nvCxnSpPr>
+          <p:cNvPr id="15" name="Connecteur droit 14">
+            <a:extLst>
+              <a:ext uri="{FF2B5EF4-FFF2-40B4-BE49-F238E27FC236}">
+                <a16:creationId xmlns:a16="http://schemas.microsoft.com/office/drawing/2014/main" id="{2874383A-57AB-4A5F-B06F-350D8C8F1E1C}"/>
+              </a:ext>
+            </a:extLst>
+          </p:cNvPr>
+          <p:cNvCxnSpPr>
+            <a:cxnSpLocks/>
+          </p:cNvCxnSpPr>
+          <p:nvPr/>
+        </p:nvCxnSpPr>
+        <p:spPr>
+          <a:xfrm>
+            <a:off x="4597400" y="4838700"/>
+            <a:ext cx="1739900" cy="0"/>
+          </a:xfrm>
+          <a:prstGeom prst="line">
+            <a:avLst/>
+          </a:prstGeom>
+        </p:spPr>
+        <p:style>
+          <a:lnRef idx="1">
+            <a:schemeClr val="accent1"/>
+          </a:lnRef>
+          <a:fillRef idx="0">
+            <a:schemeClr val="accent1"/>
+          </a:fillRef>
+          <a:effectRef idx="0">
+            <a:schemeClr val="accent1"/>
+          </a:effectRef>
+          <a:fontRef idx="minor">
+            <a:schemeClr val="tx1"/>
+          </a:fontRef>
+        </p:style>
+      </p:cxnSp>
+      <p:sp>
+        <p:nvSpPr>
+          <p:cNvPr id="16" name="ZoneTexte 15">
+            <a:extLst>
+              <a:ext uri="{FF2B5EF4-FFF2-40B4-BE49-F238E27FC236}">
+                <a16:creationId xmlns:a16="http://schemas.microsoft.com/office/drawing/2014/main" id="{434D0AA8-CFFC-4F9D-B843-96B6309B5013}"/>
+              </a:ext>
+            </a:extLst>
+          </p:cNvPr>
+          <p:cNvSpPr txBox="1"/>
+          <p:nvPr/>
+        </p:nvSpPr>
+        <p:spPr>
+          <a:xfrm>
+            <a:off x="4810663" y="2389306"/>
+            <a:ext cx="1313373" cy="369332"/>
+          </a:xfrm>
+          <a:prstGeom prst="rect">
+            <a:avLst/>
+          </a:prstGeom>
+          <a:noFill/>
+        </p:spPr>
+        <p:txBody>
+          <a:bodyPr wrap="none" rtlCol="0">
+            <a:spAutoFit/>
+          </a:bodyPr>
+          <a:lstStyle/>
+          <a:p>
+            <a:r>
+              <a:rPr lang="fr-FR" dirty="0"/>
+              <a:t>prédilection</a:t>
+            </a:r>
+          </a:p>
+        </p:txBody>
+      </p:sp>
+      <p:cxnSp>
+        <p:nvCxnSpPr>
+          <p:cNvPr id="17" name="Connecteur droit 16">
+            <a:extLst>
+              <a:ext uri="{FF2B5EF4-FFF2-40B4-BE49-F238E27FC236}">
+                <a16:creationId xmlns:a16="http://schemas.microsoft.com/office/drawing/2014/main" id="{8653EC01-2143-4781-9213-FAE373DBA8ED}"/>
+              </a:ext>
+            </a:extLst>
+          </p:cNvPr>
+          <p:cNvCxnSpPr>
+            <a:cxnSpLocks/>
+            <a:endCxn id="8" idx="1"/>
+          </p:cNvCxnSpPr>
+          <p:nvPr/>
+        </p:nvCxnSpPr>
+        <p:spPr>
+          <a:xfrm flipV="1">
+            <a:off x="3546537" y="2758638"/>
+            <a:ext cx="1050863" cy="20816"/>
+          </a:xfrm>
+          <a:prstGeom prst="line">
+            <a:avLst/>
+          </a:prstGeom>
+        </p:spPr>
+        <p:style>
+          <a:lnRef idx="1">
+            <a:schemeClr val="accent1"/>
+          </a:lnRef>
+          <a:fillRef idx="0">
+            <a:schemeClr val="accent1"/>
+          </a:fillRef>
+          <a:effectRef idx="0">
+            <a:schemeClr val="accent1"/>
+          </a:effectRef>
+          <a:fontRef idx="minor">
+            <a:schemeClr val="tx1"/>
+          </a:fontRef>
+        </p:style>
+      </p:cxnSp>
+      <p:cxnSp>
+        <p:nvCxnSpPr>
+          <p:cNvPr id="18" name="Connecteur droit 17">
+            <a:extLst>
+              <a:ext uri="{FF2B5EF4-FFF2-40B4-BE49-F238E27FC236}">
+                <a16:creationId xmlns:a16="http://schemas.microsoft.com/office/drawing/2014/main" id="{26AAA2C4-3E7C-4A79-8EBA-EAE624C3DBF8}"/>
+              </a:ext>
+            </a:extLst>
+          </p:cNvPr>
+          <p:cNvCxnSpPr>
+            <a:stCxn id="13" idx="1"/>
+            <a:endCxn id="8" idx="3"/>
+          </p:cNvCxnSpPr>
+          <p:nvPr/>
+        </p:nvCxnSpPr>
+        <p:spPr>
+          <a:xfrm flipH="1" flipV="1">
+            <a:off x="6337300" y="2758638"/>
+            <a:ext cx="1028700" cy="20816"/>
+          </a:xfrm>
+          <a:prstGeom prst="line">
+            <a:avLst/>
+          </a:prstGeom>
+        </p:spPr>
+        <p:style>
+          <a:lnRef idx="1">
+            <a:schemeClr val="accent1"/>
+          </a:lnRef>
+          <a:fillRef idx="0">
+            <a:schemeClr val="accent1"/>
+          </a:fillRef>
+          <a:effectRef idx="0">
+            <a:schemeClr val="accent1"/>
+          </a:effectRef>
+          <a:fontRef idx="minor">
+            <a:schemeClr val="tx1"/>
+          </a:fontRef>
+        </p:style>
+      </p:cxnSp>
+      <p:sp>
+        <p:nvSpPr>
+          <p:cNvPr id="19" name="ZoneTexte 18">
+            <a:extLst>
+              <a:ext uri="{FF2B5EF4-FFF2-40B4-BE49-F238E27FC236}">
+                <a16:creationId xmlns:a16="http://schemas.microsoft.com/office/drawing/2014/main" id="{4F7B74D7-6D36-4196-A871-9080FD80ABB3}"/>
+              </a:ext>
+            </a:extLst>
+          </p:cNvPr>
+          <p:cNvSpPr txBox="1"/>
+          <p:nvPr/>
+        </p:nvSpPr>
+        <p:spPr>
+          <a:xfrm>
+            <a:off x="4720509" y="4425434"/>
+            <a:ext cx="1493679" cy="369332"/>
+          </a:xfrm>
+          <a:prstGeom prst="rect">
+            <a:avLst/>
+          </a:prstGeom>
+          <a:noFill/>
+        </p:spPr>
+        <p:txBody>
+          <a:bodyPr wrap="none" rtlCol="0">
+            <a:spAutoFit/>
+          </a:bodyPr>
+          <a:lstStyle/>
+          <a:p>
+            <a:r>
+              <a:rPr lang="fr-FR" dirty="0"/>
+              <a:t>apprentissage</a:t>
+            </a:r>
+          </a:p>
+        </p:txBody>
+      </p:sp>
+      <p:cxnSp>
+        <p:nvCxnSpPr>
+          <p:cNvPr id="20" name="Connecteur droit 19">
+            <a:extLst>
+              <a:ext uri="{FF2B5EF4-FFF2-40B4-BE49-F238E27FC236}">
+                <a16:creationId xmlns:a16="http://schemas.microsoft.com/office/drawing/2014/main" id="{8987E4FA-B579-4A06-A34D-9BB8C728423F}"/>
+              </a:ext>
+            </a:extLst>
+          </p:cNvPr>
+          <p:cNvCxnSpPr>
+            <a:stCxn id="5" idx="2"/>
+            <a:endCxn id="14" idx="1"/>
+          </p:cNvCxnSpPr>
+          <p:nvPr/>
+        </p:nvCxnSpPr>
+        <p:spPr>
+          <a:xfrm>
+            <a:off x="2734260" y="3622814"/>
+            <a:ext cx="1863140" cy="1495286"/>
+          </a:xfrm>
+          <a:prstGeom prst="line">
+            <a:avLst/>
+          </a:prstGeom>
+        </p:spPr>
+        <p:style>
+          <a:lnRef idx="1">
+            <a:schemeClr val="accent1"/>
+          </a:lnRef>
+          <a:fillRef idx="0">
+            <a:schemeClr val="accent1"/>
+          </a:fillRef>
+          <a:effectRef idx="0">
+            <a:schemeClr val="accent1"/>
+          </a:effectRef>
+          <a:fontRef idx="minor">
+            <a:schemeClr val="tx1"/>
+          </a:fontRef>
+        </p:style>
+      </p:cxnSp>
+      <p:cxnSp>
+        <p:nvCxnSpPr>
+          <p:cNvPr id="21" name="Connecteur droit 20">
+            <a:extLst>
+              <a:ext uri="{FF2B5EF4-FFF2-40B4-BE49-F238E27FC236}">
+                <a16:creationId xmlns:a16="http://schemas.microsoft.com/office/drawing/2014/main" id="{DCE26E9C-07C7-43A7-B1D7-7FDE6FF892CF}"/>
+              </a:ext>
+            </a:extLst>
+          </p:cNvPr>
+          <p:cNvCxnSpPr>
+            <a:stCxn id="14" idx="3"/>
+            <a:endCxn id="12" idx="2"/>
+          </p:cNvCxnSpPr>
+          <p:nvPr/>
+        </p:nvCxnSpPr>
+        <p:spPr>
+          <a:xfrm flipV="1">
+            <a:off x="6337300" y="3622812"/>
+            <a:ext cx="1809750" cy="1495288"/>
+          </a:xfrm>
+          <a:prstGeom prst="line">
+            <a:avLst/>
+          </a:prstGeom>
+        </p:spPr>
+        <p:style>
+          <a:lnRef idx="1">
+            <a:schemeClr val="accent1"/>
+          </a:lnRef>
+          <a:fillRef idx="0">
+            <a:schemeClr val="accent1"/>
+          </a:fillRef>
+          <a:effectRef idx="0">
+            <a:schemeClr val="accent1"/>
+          </a:effectRef>
+          <a:fontRef idx="minor">
+            <a:schemeClr val="tx1"/>
+          </a:fontRef>
+        </p:style>
+      </p:cxnSp>
+      <p:sp>
+        <p:nvSpPr>
+          <p:cNvPr id="22" name="ZoneTexte 21">
+            <a:extLst>
+              <a:ext uri="{FF2B5EF4-FFF2-40B4-BE49-F238E27FC236}">
+                <a16:creationId xmlns:a16="http://schemas.microsoft.com/office/drawing/2014/main" id="{030994FE-B51C-4420-80E2-F7EF0FE3EE1B}"/>
+              </a:ext>
+            </a:extLst>
+          </p:cNvPr>
+          <p:cNvSpPr txBox="1"/>
+          <p:nvPr/>
+        </p:nvSpPr>
+        <p:spPr>
+          <a:xfrm>
+            <a:off x="3791454" y="2450862"/>
+            <a:ext cx="476412" cy="369332"/>
+          </a:xfrm>
+          <a:prstGeom prst="rect">
+            <a:avLst/>
+          </a:prstGeom>
+          <a:noFill/>
+        </p:spPr>
+        <p:txBody>
+          <a:bodyPr wrap="none" rtlCol="0">
+            <a:spAutoFit/>
+          </a:bodyPr>
+          <a:lstStyle/>
+          <a:p>
+            <a:r>
+              <a:rPr lang="fr-FR" dirty="0"/>
+              <a:t>1,1</a:t>
+            </a:r>
+          </a:p>
+        </p:txBody>
+      </p:sp>
+      <p:sp>
+        <p:nvSpPr>
+          <p:cNvPr id="23" name="ZoneTexte 22">
+            <a:extLst>
+              <a:ext uri="{FF2B5EF4-FFF2-40B4-BE49-F238E27FC236}">
+                <a16:creationId xmlns:a16="http://schemas.microsoft.com/office/drawing/2014/main" id="{11E1986A-36D0-457D-8FB3-899D33B26EE8}"/>
+              </a:ext>
+            </a:extLst>
+          </p:cNvPr>
+          <p:cNvSpPr txBox="1"/>
+          <p:nvPr/>
+        </p:nvSpPr>
+        <p:spPr>
+          <a:xfrm>
+            <a:off x="6666834" y="2450862"/>
+            <a:ext cx="481222" cy="369332"/>
+          </a:xfrm>
+          <a:prstGeom prst="rect">
+            <a:avLst/>
+          </a:prstGeom>
+          <a:noFill/>
+        </p:spPr>
+        <p:txBody>
+          <a:bodyPr wrap="none" rtlCol="0">
+            <a:spAutoFit/>
+          </a:bodyPr>
+          <a:lstStyle/>
+          <a:p>
+            <a:r>
+              <a:rPr lang="fr-FR" dirty="0"/>
+              <a:t>1,n</a:t>
+            </a:r>
+          </a:p>
+        </p:txBody>
+      </p:sp>
+      <p:sp>
+        <p:nvSpPr>
+          <p:cNvPr id="24" name="ZoneTexte 23">
+            <a:extLst>
+              <a:ext uri="{FF2B5EF4-FFF2-40B4-BE49-F238E27FC236}">
+                <a16:creationId xmlns:a16="http://schemas.microsoft.com/office/drawing/2014/main" id="{83677F51-5B87-467F-AA97-D1CA1DE04346}"/>
+              </a:ext>
+            </a:extLst>
+          </p:cNvPr>
+          <p:cNvSpPr txBox="1"/>
+          <p:nvPr/>
+        </p:nvSpPr>
+        <p:spPr>
+          <a:xfrm>
+            <a:off x="3578190" y="4078547"/>
+            <a:ext cx="481222" cy="369332"/>
+          </a:xfrm>
+          <a:prstGeom prst="rect">
+            <a:avLst/>
+          </a:prstGeom>
+          <a:noFill/>
+        </p:spPr>
+        <p:txBody>
+          <a:bodyPr wrap="none" rtlCol="0">
+            <a:spAutoFit/>
+          </a:bodyPr>
+          <a:lstStyle/>
+          <a:p>
+            <a:r>
+              <a:rPr lang="fr-FR" dirty="0"/>
+              <a:t>0,n</a:t>
+            </a:r>
+          </a:p>
+        </p:txBody>
+      </p:sp>
+      <p:sp>
+        <p:nvSpPr>
+          <p:cNvPr id="25" name="ZoneTexte 24">
+            <a:extLst>
+              <a:ext uri="{FF2B5EF4-FFF2-40B4-BE49-F238E27FC236}">
+                <a16:creationId xmlns:a16="http://schemas.microsoft.com/office/drawing/2014/main" id="{F942E8D3-8D60-4F9B-B9EC-6A0DFF296CFE}"/>
+              </a:ext>
+            </a:extLst>
+          </p:cNvPr>
+          <p:cNvSpPr txBox="1"/>
+          <p:nvPr/>
+        </p:nvSpPr>
+        <p:spPr>
+          <a:xfrm>
+            <a:off x="6851650" y="4065847"/>
+            <a:ext cx="481222" cy="369332"/>
+          </a:xfrm>
+          <a:prstGeom prst="rect">
+            <a:avLst/>
+          </a:prstGeom>
+          <a:noFill/>
+        </p:spPr>
+        <p:txBody>
+          <a:bodyPr wrap="none" rtlCol="0">
+            <a:spAutoFit/>
+          </a:bodyPr>
+          <a:lstStyle/>
+          <a:p>
+            <a:r>
+              <a:rPr lang="fr-FR" dirty="0"/>
+              <a:t>0,n</a:t>
+            </a:r>
+          </a:p>
+        </p:txBody>
+      </p:sp>
+      <p:sp>
+        <p:nvSpPr>
+          <p:cNvPr id="26" name="Rectangle : coins arrondis 25">
+            <a:extLst>
+              <a:ext uri="{FF2B5EF4-FFF2-40B4-BE49-F238E27FC236}">
+                <a16:creationId xmlns:a16="http://schemas.microsoft.com/office/drawing/2014/main" id="{B7E4084E-A3F6-43CD-BFCC-919AB351C5D9}"/>
+              </a:ext>
+            </a:extLst>
+          </p:cNvPr>
+          <p:cNvSpPr/>
+          <p:nvPr/>
+        </p:nvSpPr>
+        <p:spPr>
+          <a:xfrm>
+            <a:off x="787400" y="635000"/>
+            <a:ext cx="1503553" cy="698500"/>
+          </a:xfrm>
+          <a:prstGeom prst="roundRect">
+            <a:avLst/>
+          </a:prstGeom>
+          <a:noFill/>
+        </p:spPr>
+        <p:style>
+          <a:lnRef idx="2">
+            <a:schemeClr val="accent1">
+              <a:shade val="50000"/>
+            </a:schemeClr>
+          </a:lnRef>
+          <a:fillRef idx="1">
+            <a:schemeClr val="accent1"/>
+          </a:fillRef>
+          <a:effectRef idx="0">
+            <a:schemeClr val="accent1"/>
+          </a:effectRef>
+          <a:fontRef idx="minor">
+            <a:schemeClr val="lt1"/>
+          </a:fontRef>
+        </p:style>
+        <p:txBody>
+          <a:bodyPr rtlCol="0" anchor="ctr"/>
+          <a:lstStyle/>
+          <a:p>
+            <a:pPr algn="ctr"/>
+            <a:endParaRPr lang="fr-FR"/>
+          </a:p>
+        </p:txBody>
+      </p:sp>
+      <p:cxnSp>
+        <p:nvCxnSpPr>
+          <p:cNvPr id="28" name="Connecteur droit 27">
+            <a:extLst>
+              <a:ext uri="{FF2B5EF4-FFF2-40B4-BE49-F238E27FC236}">
+                <a16:creationId xmlns:a16="http://schemas.microsoft.com/office/drawing/2014/main" id="{FF382FCD-E910-47D9-BBF5-062F96727843}"/>
+              </a:ext>
+            </a:extLst>
+          </p:cNvPr>
+          <p:cNvCxnSpPr>
+            <a:cxnSpLocks/>
+          </p:cNvCxnSpPr>
+          <p:nvPr/>
+        </p:nvCxnSpPr>
+        <p:spPr>
+          <a:xfrm>
+            <a:off x="787400" y="1123950"/>
+            <a:ext cx="1503553" cy="0"/>
+          </a:xfrm>
+          <a:prstGeom prst="line">
+            <a:avLst/>
+          </a:prstGeom>
+        </p:spPr>
+        <p:style>
+          <a:lnRef idx="1">
+            <a:schemeClr val="accent1"/>
+          </a:lnRef>
+          <a:fillRef idx="0">
+            <a:schemeClr val="accent1"/>
+          </a:fillRef>
+          <a:effectRef idx="0">
+            <a:schemeClr val="accent1"/>
+          </a:effectRef>
+          <a:fontRef idx="minor">
+            <a:schemeClr val="tx1"/>
+          </a:fontRef>
+        </p:style>
+      </p:cxnSp>
+      <p:sp>
+        <p:nvSpPr>
+          <p:cNvPr id="29" name="ZoneTexte 28">
+            <a:extLst>
+              <a:ext uri="{FF2B5EF4-FFF2-40B4-BE49-F238E27FC236}">
+                <a16:creationId xmlns:a16="http://schemas.microsoft.com/office/drawing/2014/main" id="{6DD63418-5E44-4EA0-9D03-69B4C60D62E6}"/>
+              </a:ext>
+            </a:extLst>
+          </p:cNvPr>
+          <p:cNvSpPr txBox="1"/>
+          <p:nvPr/>
+        </p:nvSpPr>
+        <p:spPr>
+          <a:xfrm>
+            <a:off x="1006658" y="635000"/>
+            <a:ext cx="1181414" cy="369332"/>
+          </a:xfrm>
+          <a:prstGeom prst="rect">
+            <a:avLst/>
+          </a:prstGeom>
+          <a:noFill/>
+        </p:spPr>
+        <p:txBody>
+          <a:bodyPr wrap="none" rtlCol="0">
+            <a:spAutoFit/>
+          </a:bodyPr>
+          <a:lstStyle/>
+          <a:p>
+            <a:r>
+              <a:rPr lang="fr-FR" dirty="0"/>
+              <a:t>Diriger par</a:t>
+            </a:r>
+          </a:p>
+        </p:txBody>
+      </p:sp>
+      <p:cxnSp>
+        <p:nvCxnSpPr>
+          <p:cNvPr id="31" name="Connecteur : en angle 30">
+            <a:extLst>
+              <a:ext uri="{FF2B5EF4-FFF2-40B4-BE49-F238E27FC236}">
+                <a16:creationId xmlns:a16="http://schemas.microsoft.com/office/drawing/2014/main" id="{56102FCF-C19F-4CD9-B507-8851888F70F3}"/>
+              </a:ext>
+            </a:extLst>
+          </p:cNvPr>
+          <p:cNvCxnSpPr>
+            <a:stCxn id="26" idx="3"/>
+            <a:endCxn id="4" idx="0"/>
+          </p:cNvCxnSpPr>
+          <p:nvPr/>
+        </p:nvCxnSpPr>
+        <p:spPr>
+          <a:xfrm>
+            <a:off x="2290953" y="984250"/>
+            <a:ext cx="452189" cy="823496"/>
+          </a:xfrm>
+          <a:prstGeom prst="bentConnector2">
+            <a:avLst/>
+          </a:prstGeom>
+        </p:spPr>
+        <p:style>
+          <a:lnRef idx="1">
+            <a:schemeClr val="accent1"/>
+          </a:lnRef>
+          <a:fillRef idx="0">
+            <a:schemeClr val="accent1"/>
+          </a:fillRef>
+          <a:effectRef idx="0">
+            <a:schemeClr val="accent1"/>
+          </a:effectRef>
+          <a:fontRef idx="minor">
+            <a:schemeClr val="tx1"/>
+          </a:fontRef>
+        </p:style>
+      </p:cxnSp>
+      <p:cxnSp>
+        <p:nvCxnSpPr>
+          <p:cNvPr id="33" name="Connecteur : en angle 32">
+            <a:extLst>
+              <a:ext uri="{FF2B5EF4-FFF2-40B4-BE49-F238E27FC236}">
+                <a16:creationId xmlns:a16="http://schemas.microsoft.com/office/drawing/2014/main" id="{3793359B-5CA0-4DF7-A8C8-C53A59956137}"/>
+              </a:ext>
+            </a:extLst>
+          </p:cNvPr>
+          <p:cNvCxnSpPr>
+            <a:stCxn id="26" idx="1"/>
+            <a:endCxn id="7" idx="1"/>
+          </p:cNvCxnSpPr>
+          <p:nvPr/>
+        </p:nvCxnSpPr>
+        <p:spPr>
+          <a:xfrm rot="10800000" flipH="1" flipV="1">
+            <a:off x="787400" y="984250"/>
+            <a:ext cx="1156928" cy="1972330"/>
+          </a:xfrm>
+          <a:prstGeom prst="bentConnector3">
+            <a:avLst>
+              <a:gd name="adj1" fmla="val -19759"/>
+            </a:avLst>
+          </a:prstGeom>
+        </p:spPr>
+        <p:style>
+          <a:lnRef idx="1">
+            <a:schemeClr val="accent1"/>
+          </a:lnRef>
+          <a:fillRef idx="0">
+            <a:schemeClr val="accent1"/>
+          </a:fillRef>
+          <a:effectRef idx="0">
+            <a:schemeClr val="accent1"/>
+          </a:effectRef>
+          <a:fontRef idx="minor">
+            <a:schemeClr val="tx1"/>
+          </a:fontRef>
+        </p:style>
+      </p:cxnSp>
+      <p:sp>
+        <p:nvSpPr>
+          <p:cNvPr id="34" name="ZoneTexte 33">
+            <a:extLst>
+              <a:ext uri="{FF2B5EF4-FFF2-40B4-BE49-F238E27FC236}">
+                <a16:creationId xmlns:a16="http://schemas.microsoft.com/office/drawing/2014/main" id="{B150FB6E-9127-4BC9-B9EC-35F901F8F6B2}"/>
+              </a:ext>
+            </a:extLst>
+          </p:cNvPr>
+          <p:cNvSpPr txBox="1"/>
+          <p:nvPr/>
+        </p:nvSpPr>
+        <p:spPr>
+          <a:xfrm>
+            <a:off x="2734260" y="1092557"/>
+            <a:ext cx="476412" cy="369332"/>
+          </a:xfrm>
+          <a:prstGeom prst="rect">
+            <a:avLst/>
+          </a:prstGeom>
+          <a:noFill/>
+        </p:spPr>
+        <p:txBody>
+          <a:bodyPr wrap="none" rtlCol="0">
+            <a:spAutoFit/>
+          </a:bodyPr>
+          <a:lstStyle/>
+          <a:p>
+            <a:r>
+              <a:rPr lang="fr-FR" dirty="0"/>
+              <a:t>0,1</a:t>
+            </a:r>
+          </a:p>
+        </p:txBody>
+      </p:sp>
+      <p:sp>
+        <p:nvSpPr>
+          <p:cNvPr id="35" name="ZoneTexte 34">
+            <a:extLst>
+              <a:ext uri="{FF2B5EF4-FFF2-40B4-BE49-F238E27FC236}">
+                <a16:creationId xmlns:a16="http://schemas.microsoft.com/office/drawing/2014/main" id="{F7B86896-D6FF-4877-9155-960274C2CC14}"/>
+              </a:ext>
+            </a:extLst>
+          </p:cNvPr>
+          <p:cNvSpPr txBox="1"/>
+          <p:nvPr/>
+        </p:nvSpPr>
+        <p:spPr>
+          <a:xfrm>
+            <a:off x="1006658" y="2635528"/>
+            <a:ext cx="481222" cy="369332"/>
+          </a:xfrm>
+          <a:prstGeom prst="rect">
+            <a:avLst/>
+          </a:prstGeom>
+          <a:noFill/>
+        </p:spPr>
+        <p:txBody>
+          <a:bodyPr wrap="none" rtlCol="0">
+            <a:spAutoFit/>
+          </a:bodyPr>
+          <a:lstStyle/>
+          <a:p>
+            <a:r>
+              <a:rPr lang="fr-FR" dirty="0"/>
+              <a:t>0,n</a:t>
+            </a:r>
+          </a:p>
+        </p:txBody>
+      </p:sp>
+      <p:sp>
+        <p:nvSpPr>
+          <p:cNvPr id="36" name="Rectangle 35">
+            <a:extLst>
+              <a:ext uri="{FF2B5EF4-FFF2-40B4-BE49-F238E27FC236}">
+                <a16:creationId xmlns:a16="http://schemas.microsoft.com/office/drawing/2014/main" id="{5053D544-50CB-4248-AD9A-8CE67D8F4BF1}"/>
+              </a:ext>
+            </a:extLst>
+          </p:cNvPr>
+          <p:cNvSpPr/>
+          <p:nvPr/>
+        </p:nvSpPr>
+        <p:spPr>
+          <a:xfrm>
+            <a:off x="294047" y="5270330"/>
+            <a:ext cx="3524754" cy="939800"/>
+          </a:xfrm>
+          <a:prstGeom prst="rect">
+            <a:avLst/>
+          </a:prstGeom>
+          <a:noFill/>
+        </p:spPr>
+        <p:style>
+          <a:lnRef idx="2">
+            <a:schemeClr val="accent1">
+              <a:shade val="50000"/>
+            </a:schemeClr>
+          </a:lnRef>
+          <a:fillRef idx="1">
+            <a:schemeClr val="accent1"/>
+          </a:fillRef>
+          <a:effectRef idx="0">
+            <a:schemeClr val="accent1"/>
+          </a:effectRef>
+          <a:fontRef idx="minor">
+            <a:schemeClr val="lt1"/>
+          </a:fontRef>
+        </p:style>
+        <p:txBody>
+          <a:bodyPr rtlCol="0" anchor="ctr"/>
+          <a:lstStyle/>
+          <a:p>
+            <a:pPr algn="ctr"/>
+            <a:endParaRPr lang="fr-FR"/>
+          </a:p>
+        </p:txBody>
+      </p:sp>
+      <p:sp>
+        <p:nvSpPr>
+          <p:cNvPr id="37" name="ZoneTexte 36">
+            <a:extLst>
+              <a:ext uri="{FF2B5EF4-FFF2-40B4-BE49-F238E27FC236}">
+                <a16:creationId xmlns:a16="http://schemas.microsoft.com/office/drawing/2014/main" id="{80D27D00-767A-4EBA-A5E9-A21A0A2DB916}"/>
+              </a:ext>
+            </a:extLst>
+          </p:cNvPr>
+          <p:cNvSpPr txBox="1"/>
+          <p:nvPr/>
+        </p:nvSpPr>
+        <p:spPr>
+          <a:xfrm>
+            <a:off x="294047" y="5398719"/>
+            <a:ext cx="3570721" cy="646331"/>
+          </a:xfrm>
+          <a:prstGeom prst="rect">
+            <a:avLst/>
+          </a:prstGeom>
+          <a:noFill/>
+        </p:spPr>
+        <p:txBody>
+          <a:bodyPr wrap="none" rtlCol="0">
+            <a:spAutoFit/>
+          </a:bodyPr>
+          <a:lstStyle/>
+          <a:p>
+            <a:r>
+              <a:rPr lang="fr-FR" sz="1200" dirty="0"/>
+              <a:t>Cardinalités:</a:t>
+            </a:r>
+          </a:p>
+          <a:p>
+            <a:pPr marL="171450" indent="-171450">
+              <a:buFontTx/>
+              <a:buChar char="-"/>
+            </a:pPr>
+            <a:r>
+              <a:rPr lang="fr-FR" sz="1200" dirty="0"/>
+              <a:t>1 développeurs peut être diriger par 0 à 1 tech-lead</a:t>
+            </a:r>
+          </a:p>
+          <a:p>
+            <a:pPr marL="171450" indent="-171450">
+              <a:buFontTx/>
+              <a:buChar char="-"/>
+            </a:pPr>
+            <a:r>
+              <a:rPr lang="fr-FR" sz="1200" dirty="0"/>
+              <a:t>1 tech-lead peut diriger 0 à n développeurs</a:t>
+            </a:r>
+          </a:p>
+        </p:txBody>
+      </p:sp>
+    </p:spTree>
+    <p:extLst>
+      <p:ext uri="{BB962C8B-B14F-4D97-AF65-F5344CB8AC3E}">
+        <p14:creationId xmlns:p14="http://schemas.microsoft.com/office/powerpoint/2010/main" val="2983736213"/>
+      </p:ext>
+    </p:extLst>
+  </p:cSld>
+  <p:clrMapOvr>
+    <a:masterClrMapping/>
+  </p:clrMapOvr>
+</p:sld>
+</file>
+
+<file path=ppt/slides/slide4.xml><?xml version="1.0" encoding="utf-8"?>
+<p:sld xmlns:a="http://schemas.openxmlformats.org/drawingml/2006/main" xmlns:r="http://schemas.openxmlformats.org/officeDocument/2006/relationships" xmlns:p="http://schemas.openxmlformats.org/presentationml/2006/main">
+  <p:cSld>
+    <p:spTree>
+      <p:nvGrpSpPr>
+        <p:cNvPr id="1" name=""/>
+        <p:cNvGrpSpPr/>
+        <p:nvPr/>
+      </p:nvGrpSpPr>
+      <p:grpSpPr>
+        <a:xfrm>
+          <a:off x="0" y="0"/>
+          <a:ext cx="0" cy="0"/>
+          <a:chOff x="0" y="0"/>
+          <a:chExt cx="0" cy="0"/>
+        </a:xfrm>
+      </p:grpSpPr>
+      <p:sp>
+        <p:nvSpPr>
+          <p:cNvPr id="4" name="Rectangle 3">
+            <a:extLst>
+              <a:ext uri="{FF2B5EF4-FFF2-40B4-BE49-F238E27FC236}">
+                <a16:creationId xmlns:a16="http://schemas.microsoft.com/office/drawing/2014/main" id="{836DAC09-558D-4213-B89B-7CEE2956C025}"/>
+              </a:ext>
+            </a:extLst>
+          </p:cNvPr>
+          <p:cNvSpPr/>
+          <p:nvPr/>
+        </p:nvSpPr>
+        <p:spPr>
+          <a:xfrm>
+            <a:off x="1962091" y="1807746"/>
+            <a:ext cx="2495609" cy="482600"/>
+          </a:xfrm>
+          <a:prstGeom prst="rect">
+            <a:avLst/>
+          </a:prstGeom>
+          <a:noFill/>
+        </p:spPr>
+        <p:style>
+          <a:lnRef idx="2">
+            <a:schemeClr val="accent1">
+              <a:shade val="50000"/>
+            </a:schemeClr>
+          </a:lnRef>
+          <a:fillRef idx="1">
+            <a:schemeClr val="accent1"/>
+          </a:fillRef>
+          <a:effectRef idx="0">
+            <a:schemeClr val="accent1"/>
+          </a:effectRef>
+          <a:fontRef idx="minor">
+            <a:schemeClr val="lt1"/>
+          </a:fontRef>
+        </p:style>
+        <p:txBody>
+          <a:bodyPr rtlCol="0" anchor="ctr"/>
+          <a:lstStyle/>
+          <a:p>
+            <a:pPr algn="ctr"/>
+            <a:endParaRPr lang="fr-FR" dirty="0"/>
+          </a:p>
+        </p:txBody>
+      </p:sp>
+      <p:sp>
+        <p:nvSpPr>
+          <p:cNvPr id="5" name="Rectangle 4">
+            <a:extLst>
+              <a:ext uri="{FF2B5EF4-FFF2-40B4-BE49-F238E27FC236}">
+                <a16:creationId xmlns:a16="http://schemas.microsoft.com/office/drawing/2014/main" id="{3CA80A8A-56EF-4534-A513-BF77EE8D32BC}"/>
+              </a:ext>
+            </a:extLst>
+          </p:cNvPr>
+          <p:cNvSpPr/>
+          <p:nvPr/>
+        </p:nvSpPr>
+        <p:spPr>
+          <a:xfrm>
+            <a:off x="1953210" y="2290346"/>
+            <a:ext cx="2504490" cy="2190522"/>
+          </a:xfrm>
+          <a:prstGeom prst="rect">
+            <a:avLst/>
+          </a:prstGeom>
+          <a:noFill/>
+        </p:spPr>
+        <p:style>
+          <a:lnRef idx="2">
+            <a:schemeClr val="accent1">
+              <a:shade val="50000"/>
+            </a:schemeClr>
+          </a:lnRef>
+          <a:fillRef idx="1">
+            <a:schemeClr val="accent1"/>
+          </a:fillRef>
+          <a:effectRef idx="0">
+            <a:schemeClr val="accent1"/>
+          </a:effectRef>
+          <a:fontRef idx="minor">
+            <a:schemeClr val="lt1"/>
+          </a:fontRef>
+        </p:style>
+        <p:txBody>
+          <a:bodyPr rtlCol="0" anchor="ctr"/>
+          <a:lstStyle/>
+          <a:p>
+            <a:pPr algn="ctr"/>
+            <a:endParaRPr lang="fr-FR" dirty="0"/>
+          </a:p>
+        </p:txBody>
+      </p:sp>
+      <p:sp>
+        <p:nvSpPr>
+          <p:cNvPr id="6" name="ZoneTexte 5">
+            <a:extLst>
+              <a:ext uri="{FF2B5EF4-FFF2-40B4-BE49-F238E27FC236}">
+                <a16:creationId xmlns:a16="http://schemas.microsoft.com/office/drawing/2014/main" id="{B2B4B624-E75F-40B6-8BF2-DCDA13F6EC32}"/>
+              </a:ext>
+            </a:extLst>
+          </p:cNvPr>
+          <p:cNvSpPr txBox="1"/>
+          <p:nvPr/>
+        </p:nvSpPr>
+        <p:spPr>
+          <a:xfrm>
+            <a:off x="2380110" y="1864380"/>
+            <a:ext cx="1521317" cy="369332"/>
+          </a:xfrm>
+          <a:prstGeom prst="rect">
+            <a:avLst/>
+          </a:prstGeom>
+          <a:noFill/>
+        </p:spPr>
+        <p:txBody>
+          <a:bodyPr wrap="square" rtlCol="0">
+            <a:spAutoFit/>
+          </a:bodyPr>
+          <a:lstStyle/>
+          <a:p>
+            <a:r>
+              <a:rPr lang="fr-FR" dirty="0"/>
+              <a:t>Développeurs</a:t>
+            </a:r>
+          </a:p>
+        </p:txBody>
+      </p:sp>
+      <p:sp>
+        <p:nvSpPr>
+          <p:cNvPr id="7" name="ZoneTexte 6">
+            <a:extLst>
+              <a:ext uri="{FF2B5EF4-FFF2-40B4-BE49-F238E27FC236}">
+                <a16:creationId xmlns:a16="http://schemas.microsoft.com/office/drawing/2014/main" id="{2DE45543-4C70-4D9C-A38D-8C64F5C06F6C}"/>
+              </a:ext>
+            </a:extLst>
+          </p:cNvPr>
+          <p:cNvSpPr txBox="1"/>
+          <p:nvPr/>
+        </p:nvSpPr>
+        <p:spPr>
+          <a:xfrm>
+            <a:off x="1962091" y="2481808"/>
+            <a:ext cx="2471639" cy="1815882"/>
+          </a:xfrm>
+          <a:prstGeom prst="rect">
+            <a:avLst/>
+          </a:prstGeom>
+          <a:noFill/>
+        </p:spPr>
+        <p:txBody>
+          <a:bodyPr wrap="none" rtlCol="0">
+            <a:spAutoFit/>
+          </a:bodyPr>
+          <a:lstStyle/>
+          <a:p>
+            <a:r>
+              <a:rPr lang="fr-FR" sz="1600" dirty="0" err="1"/>
+              <a:t>id_dev</a:t>
+            </a:r>
+            <a:r>
+              <a:rPr lang="fr-FR" sz="1600" dirty="0"/>
+              <a:t> SERIAL PK </a:t>
+            </a:r>
+          </a:p>
+          <a:p>
+            <a:r>
+              <a:rPr lang="fr-FR" sz="1600" dirty="0"/>
+              <a:t>matricule VARCHAR(10) NN</a:t>
+            </a:r>
+          </a:p>
+          <a:p>
+            <a:r>
+              <a:rPr lang="fr-FR" sz="1600" dirty="0"/>
+              <a:t>nom VARCHAR(255) NN</a:t>
+            </a:r>
+          </a:p>
+          <a:p>
+            <a:r>
+              <a:rPr lang="fr-FR" sz="1600" dirty="0" err="1"/>
+              <a:t>prenom</a:t>
+            </a:r>
+            <a:r>
+              <a:rPr lang="fr-FR" sz="1600" dirty="0"/>
+              <a:t> VARCHAR(255) NN</a:t>
+            </a:r>
+          </a:p>
+          <a:p>
+            <a:r>
+              <a:rPr lang="fr-FR" sz="1600" dirty="0" err="1"/>
+              <a:t>date_naissance</a:t>
+            </a:r>
+            <a:r>
+              <a:rPr lang="fr-FR" sz="1600" dirty="0"/>
+              <a:t> DATE NN</a:t>
+            </a:r>
+          </a:p>
+          <a:p>
+            <a:r>
+              <a:rPr lang="fr-FR" sz="1600" dirty="0" err="1"/>
+              <a:t>date_entree</a:t>
+            </a:r>
+            <a:r>
+              <a:rPr lang="fr-FR" sz="1600" dirty="0"/>
+              <a:t> DATE NN</a:t>
+            </a:r>
+          </a:p>
+          <a:p>
+            <a:r>
+              <a:rPr lang="fr-FR" sz="1600" dirty="0" err="1"/>
+              <a:t>Id_dev_tech_lead</a:t>
+            </a:r>
+            <a:r>
+              <a:rPr lang="fr-FR" sz="1600" dirty="0"/>
+              <a:t> INT FK</a:t>
+            </a:r>
+          </a:p>
+        </p:txBody>
+      </p:sp>
+      <p:sp>
+        <p:nvSpPr>
+          <p:cNvPr id="8" name="Rectangle 7">
+            <a:extLst>
+              <a:ext uri="{FF2B5EF4-FFF2-40B4-BE49-F238E27FC236}">
+                <a16:creationId xmlns:a16="http://schemas.microsoft.com/office/drawing/2014/main" id="{D9F4B2BD-4777-47E2-888B-7664B6A3100D}"/>
+              </a:ext>
+            </a:extLst>
+          </p:cNvPr>
+          <p:cNvSpPr/>
+          <p:nvPr/>
+        </p:nvSpPr>
+        <p:spPr>
+          <a:xfrm>
+            <a:off x="7365999" y="1807746"/>
+            <a:ext cx="3035299" cy="488434"/>
+          </a:xfrm>
+          <a:prstGeom prst="rect">
+            <a:avLst/>
+          </a:prstGeom>
+          <a:noFill/>
+        </p:spPr>
+        <p:style>
+          <a:lnRef idx="2">
+            <a:schemeClr val="accent1">
+              <a:shade val="50000"/>
+            </a:schemeClr>
+          </a:lnRef>
+          <a:fillRef idx="1">
+            <a:schemeClr val="accent1"/>
+          </a:fillRef>
+          <a:effectRef idx="0">
+            <a:schemeClr val="accent1"/>
+          </a:effectRef>
+          <a:fontRef idx="minor">
+            <a:schemeClr val="lt1"/>
+          </a:fontRef>
+        </p:style>
+        <p:txBody>
+          <a:bodyPr rtlCol="0" anchor="ctr"/>
+          <a:lstStyle/>
+          <a:p>
+            <a:pPr algn="ctr"/>
+            <a:endParaRPr lang="fr-FR"/>
+          </a:p>
+        </p:txBody>
+      </p:sp>
+      <p:sp>
+        <p:nvSpPr>
+          <p:cNvPr id="9" name="ZoneTexte 8">
+            <a:extLst>
+              <a:ext uri="{FF2B5EF4-FFF2-40B4-BE49-F238E27FC236}">
+                <a16:creationId xmlns:a16="http://schemas.microsoft.com/office/drawing/2014/main" id="{0EE54496-3C83-4DBB-BE86-436194AFE47E}"/>
+              </a:ext>
+            </a:extLst>
+          </p:cNvPr>
+          <p:cNvSpPr txBox="1"/>
+          <p:nvPr/>
+        </p:nvSpPr>
+        <p:spPr>
+          <a:xfrm>
+            <a:off x="8185219" y="1864380"/>
+            <a:ext cx="1396857" cy="369332"/>
+          </a:xfrm>
+          <a:prstGeom prst="rect">
+            <a:avLst/>
+          </a:prstGeom>
+          <a:noFill/>
+        </p:spPr>
+        <p:txBody>
+          <a:bodyPr wrap="none" rtlCol="0">
+            <a:spAutoFit/>
+          </a:bodyPr>
+          <a:lstStyle/>
+          <a:p>
+            <a:r>
+              <a:rPr lang="fr-FR" dirty="0"/>
+              <a:t>Technologies</a:t>
+            </a:r>
+          </a:p>
+        </p:txBody>
+      </p:sp>
+      <p:sp>
+        <p:nvSpPr>
+          <p:cNvPr id="10" name="Rectangle 9">
+            <a:extLst>
+              <a:ext uri="{FF2B5EF4-FFF2-40B4-BE49-F238E27FC236}">
+                <a16:creationId xmlns:a16="http://schemas.microsoft.com/office/drawing/2014/main" id="{2A0819C8-1336-41D6-B738-090A4E690F7E}"/>
+              </a:ext>
+            </a:extLst>
+          </p:cNvPr>
+          <p:cNvSpPr/>
+          <p:nvPr/>
+        </p:nvSpPr>
+        <p:spPr>
+          <a:xfrm>
+            <a:off x="7366000" y="2301437"/>
+            <a:ext cx="3035300" cy="1321375"/>
+          </a:xfrm>
+          <a:prstGeom prst="rect">
+            <a:avLst/>
+          </a:prstGeom>
+          <a:noFill/>
+        </p:spPr>
+        <p:style>
+          <a:lnRef idx="2">
+            <a:schemeClr val="accent1">
+              <a:shade val="50000"/>
+            </a:schemeClr>
+          </a:lnRef>
+          <a:fillRef idx="1">
+            <a:schemeClr val="accent1"/>
+          </a:fillRef>
+          <a:effectRef idx="0">
+            <a:schemeClr val="accent1"/>
+          </a:effectRef>
+          <a:fontRef idx="minor">
+            <a:schemeClr val="lt1"/>
+          </a:fontRef>
+        </p:style>
+        <p:txBody>
+          <a:bodyPr rtlCol="0" anchor="ctr"/>
+          <a:lstStyle/>
+          <a:p>
+            <a:pPr algn="ctr"/>
+            <a:endParaRPr lang="fr-FR"/>
+          </a:p>
+        </p:txBody>
+      </p:sp>
+      <p:sp>
+        <p:nvSpPr>
+          <p:cNvPr id="11" name="ZoneTexte 10">
+            <a:extLst>
+              <a:ext uri="{FF2B5EF4-FFF2-40B4-BE49-F238E27FC236}">
+                <a16:creationId xmlns:a16="http://schemas.microsoft.com/office/drawing/2014/main" id="{B3385C66-9FE0-443A-8122-79AE0F53110A}"/>
+              </a:ext>
+            </a:extLst>
+          </p:cNvPr>
+          <p:cNvSpPr txBox="1"/>
+          <p:nvPr/>
+        </p:nvSpPr>
+        <p:spPr>
+          <a:xfrm>
+            <a:off x="7399226" y="2481808"/>
+            <a:ext cx="2913233" cy="1077218"/>
+          </a:xfrm>
+          <a:prstGeom prst="rect">
+            <a:avLst/>
+          </a:prstGeom>
+          <a:noFill/>
+        </p:spPr>
+        <p:txBody>
+          <a:bodyPr wrap="none" rtlCol="0">
+            <a:spAutoFit/>
+          </a:bodyPr>
+          <a:lstStyle/>
+          <a:p>
+            <a:r>
+              <a:rPr lang="fr-FR" sz="1600" dirty="0" err="1"/>
+              <a:t>id_tech</a:t>
+            </a:r>
+            <a:r>
+              <a:rPr lang="fr-FR" sz="1600" dirty="0"/>
+              <a:t> SERIAL PK</a:t>
+            </a:r>
+          </a:p>
+          <a:p>
+            <a:r>
+              <a:rPr lang="fr-FR" sz="1600" dirty="0"/>
+              <a:t>code VARCHAR(10) NN</a:t>
+            </a:r>
+          </a:p>
+          <a:p>
+            <a:r>
+              <a:rPr lang="fr-FR" sz="1600" dirty="0" err="1"/>
+              <a:t>nom_français</a:t>
+            </a:r>
+            <a:r>
+              <a:rPr lang="fr-FR" sz="1600" dirty="0"/>
+              <a:t> VARCHAR(255) NN</a:t>
+            </a:r>
+          </a:p>
+          <a:p>
+            <a:r>
+              <a:rPr lang="fr-FR" sz="1600" dirty="0" err="1"/>
+              <a:t>nom_anglais</a:t>
+            </a:r>
+            <a:r>
+              <a:rPr lang="fr-FR" sz="1600" dirty="0"/>
+              <a:t> VARCHAR(255) NN</a:t>
+            </a:r>
+          </a:p>
+        </p:txBody>
+      </p:sp>
+      <p:sp>
+        <p:nvSpPr>
+          <p:cNvPr id="12" name="Rectangle : coins arrondis 11">
+            <a:extLst>
+              <a:ext uri="{FF2B5EF4-FFF2-40B4-BE49-F238E27FC236}">
+                <a16:creationId xmlns:a16="http://schemas.microsoft.com/office/drawing/2014/main" id="{7DA504F2-A771-4E63-A67F-37FF7339825C}"/>
+              </a:ext>
+            </a:extLst>
+          </p:cNvPr>
+          <p:cNvSpPr/>
+          <p:nvPr/>
+        </p:nvSpPr>
+        <p:spPr>
+          <a:xfrm>
+            <a:off x="4928173" y="4480868"/>
+            <a:ext cx="1739900" cy="1473200"/>
+          </a:xfrm>
+          <a:prstGeom prst="roundRect">
+            <a:avLst/>
+          </a:prstGeom>
+          <a:noFill/>
+        </p:spPr>
+        <p:style>
+          <a:lnRef idx="2">
+            <a:schemeClr val="accent1">
+              <a:shade val="50000"/>
+            </a:schemeClr>
+          </a:lnRef>
+          <a:fillRef idx="1">
+            <a:schemeClr val="accent1"/>
+          </a:fillRef>
+          <a:effectRef idx="0">
+            <a:schemeClr val="accent1"/>
+          </a:effectRef>
+          <a:fontRef idx="minor">
+            <a:schemeClr val="lt1"/>
+          </a:fontRef>
+        </p:style>
+        <p:txBody>
+          <a:bodyPr rtlCol="0" anchor="ctr"/>
+          <a:lstStyle/>
+          <a:p>
+            <a:pPr algn="ctr"/>
+            <a:endParaRPr lang="fr-FR"/>
+          </a:p>
+        </p:txBody>
+      </p:sp>
+      <p:cxnSp>
+        <p:nvCxnSpPr>
+          <p:cNvPr id="13" name="Connecteur droit 12">
+            <a:extLst>
+              <a:ext uri="{FF2B5EF4-FFF2-40B4-BE49-F238E27FC236}">
+                <a16:creationId xmlns:a16="http://schemas.microsoft.com/office/drawing/2014/main" id="{7E0EAE38-D69B-4EB4-ACB3-F1FA354AEAEA}"/>
+              </a:ext>
+            </a:extLst>
+          </p:cNvPr>
+          <p:cNvCxnSpPr>
+            <a:cxnSpLocks/>
+          </p:cNvCxnSpPr>
+          <p:nvPr/>
+        </p:nvCxnSpPr>
+        <p:spPr>
+          <a:xfrm>
+            <a:off x="4928173" y="4902200"/>
+            <a:ext cx="1739900" cy="0"/>
+          </a:xfrm>
+          <a:prstGeom prst="line">
+            <a:avLst/>
+          </a:prstGeom>
+        </p:spPr>
+        <p:style>
+          <a:lnRef idx="1">
+            <a:schemeClr val="accent1"/>
+          </a:lnRef>
+          <a:fillRef idx="0">
+            <a:schemeClr val="accent1"/>
+          </a:fillRef>
+          <a:effectRef idx="0">
+            <a:schemeClr val="accent1"/>
+          </a:effectRef>
+          <a:fontRef idx="minor">
+            <a:schemeClr val="tx1"/>
+          </a:fontRef>
+        </p:style>
+      </p:cxnSp>
+      <p:sp>
+        <p:nvSpPr>
+          <p:cNvPr id="14" name="ZoneTexte 13">
+            <a:extLst>
+              <a:ext uri="{FF2B5EF4-FFF2-40B4-BE49-F238E27FC236}">
+                <a16:creationId xmlns:a16="http://schemas.microsoft.com/office/drawing/2014/main" id="{2BAA29F8-0B8B-4316-97B1-675509F74A78}"/>
+              </a:ext>
+            </a:extLst>
+          </p:cNvPr>
+          <p:cNvSpPr txBox="1"/>
+          <p:nvPr/>
+        </p:nvSpPr>
+        <p:spPr>
+          <a:xfrm>
+            <a:off x="5112323" y="4519568"/>
+            <a:ext cx="1493679" cy="369332"/>
+          </a:xfrm>
+          <a:prstGeom prst="rect">
+            <a:avLst/>
+          </a:prstGeom>
+          <a:noFill/>
+        </p:spPr>
+        <p:txBody>
+          <a:bodyPr wrap="none" rtlCol="0">
+            <a:spAutoFit/>
+          </a:bodyPr>
+          <a:lstStyle/>
+          <a:p>
+            <a:r>
+              <a:rPr lang="fr-FR" dirty="0"/>
+              <a:t>apprentissage</a:t>
+            </a:r>
+          </a:p>
+        </p:txBody>
+      </p:sp>
+      <p:cxnSp>
+        <p:nvCxnSpPr>
+          <p:cNvPr id="15" name="Connecteur droit 14">
+            <a:extLst>
+              <a:ext uri="{FF2B5EF4-FFF2-40B4-BE49-F238E27FC236}">
+                <a16:creationId xmlns:a16="http://schemas.microsoft.com/office/drawing/2014/main" id="{0339A5E8-886A-499D-B8E8-4DB6E148D77D}"/>
+              </a:ext>
+            </a:extLst>
+          </p:cNvPr>
+          <p:cNvCxnSpPr>
+            <a:cxnSpLocks/>
+            <a:stCxn id="5" idx="2"/>
+            <a:endCxn id="12" idx="1"/>
+          </p:cNvCxnSpPr>
+          <p:nvPr/>
+        </p:nvCxnSpPr>
+        <p:spPr>
+          <a:xfrm>
+            <a:off x="3205455" y="4480868"/>
+            <a:ext cx="1722718" cy="736600"/>
+          </a:xfrm>
+          <a:prstGeom prst="line">
+            <a:avLst/>
+          </a:prstGeom>
+        </p:spPr>
+        <p:style>
+          <a:lnRef idx="1">
+            <a:schemeClr val="accent1"/>
+          </a:lnRef>
+          <a:fillRef idx="0">
+            <a:schemeClr val="accent1"/>
+          </a:fillRef>
+          <a:effectRef idx="0">
+            <a:schemeClr val="accent1"/>
+          </a:effectRef>
+          <a:fontRef idx="minor">
+            <a:schemeClr val="tx1"/>
+          </a:fontRef>
+        </p:style>
+      </p:cxnSp>
+      <p:cxnSp>
+        <p:nvCxnSpPr>
+          <p:cNvPr id="16" name="Connecteur droit 15">
+            <a:extLst>
+              <a:ext uri="{FF2B5EF4-FFF2-40B4-BE49-F238E27FC236}">
+                <a16:creationId xmlns:a16="http://schemas.microsoft.com/office/drawing/2014/main" id="{AA3B5790-B851-4BF9-993D-C626E2A76D72}"/>
+              </a:ext>
+            </a:extLst>
+          </p:cNvPr>
+          <p:cNvCxnSpPr>
+            <a:cxnSpLocks/>
+            <a:stCxn id="12" idx="3"/>
+            <a:endCxn id="10" idx="2"/>
+          </p:cNvCxnSpPr>
+          <p:nvPr/>
+        </p:nvCxnSpPr>
+        <p:spPr>
+          <a:xfrm flipV="1">
+            <a:off x="6668073" y="3622812"/>
+            <a:ext cx="2215577" cy="1594656"/>
+          </a:xfrm>
+          <a:prstGeom prst="line">
+            <a:avLst/>
+          </a:prstGeom>
+        </p:spPr>
+        <p:style>
+          <a:lnRef idx="1">
+            <a:schemeClr val="accent1"/>
+          </a:lnRef>
+          <a:fillRef idx="0">
+            <a:schemeClr val="accent1"/>
+          </a:fillRef>
+          <a:effectRef idx="0">
+            <a:schemeClr val="accent1"/>
+          </a:effectRef>
+          <a:fontRef idx="minor">
+            <a:schemeClr val="tx1"/>
+          </a:fontRef>
+        </p:style>
+      </p:cxnSp>
+      <p:sp>
+        <p:nvSpPr>
+          <p:cNvPr id="17" name="ZoneTexte 16">
+            <a:extLst>
+              <a:ext uri="{FF2B5EF4-FFF2-40B4-BE49-F238E27FC236}">
+                <a16:creationId xmlns:a16="http://schemas.microsoft.com/office/drawing/2014/main" id="{E13CD012-4814-4B0D-B255-233108AFD158}"/>
+              </a:ext>
+            </a:extLst>
+          </p:cNvPr>
+          <p:cNvSpPr txBox="1"/>
+          <p:nvPr/>
+        </p:nvSpPr>
+        <p:spPr>
+          <a:xfrm>
+            <a:off x="5004946" y="5034893"/>
+            <a:ext cx="1535100" cy="646331"/>
+          </a:xfrm>
+          <a:prstGeom prst="rect">
+            <a:avLst/>
+          </a:prstGeom>
+          <a:noFill/>
+        </p:spPr>
+        <p:txBody>
+          <a:bodyPr wrap="none" rtlCol="0">
+            <a:spAutoFit/>
+          </a:bodyPr>
+          <a:lstStyle/>
+          <a:p>
+            <a:r>
+              <a:rPr lang="fr-FR" dirty="0" err="1"/>
+              <a:t>id_dev</a:t>
+            </a:r>
+            <a:r>
+              <a:rPr lang="fr-FR" dirty="0"/>
+              <a:t> INT FK</a:t>
+            </a:r>
+          </a:p>
+          <a:p>
+            <a:r>
+              <a:rPr lang="fr-FR" dirty="0" err="1"/>
+              <a:t>id_tech</a:t>
+            </a:r>
+            <a:r>
+              <a:rPr lang="fr-FR" dirty="0"/>
+              <a:t> INT FK</a:t>
+            </a:r>
+          </a:p>
+        </p:txBody>
+      </p:sp>
+      <p:sp>
+        <p:nvSpPr>
+          <p:cNvPr id="18" name="ZoneTexte 17">
+            <a:extLst>
+              <a:ext uri="{FF2B5EF4-FFF2-40B4-BE49-F238E27FC236}">
+                <a16:creationId xmlns:a16="http://schemas.microsoft.com/office/drawing/2014/main" id="{73355D0B-6610-47F5-86CA-C0E3A48C4E58}"/>
+              </a:ext>
+            </a:extLst>
+          </p:cNvPr>
+          <p:cNvSpPr txBox="1"/>
+          <p:nvPr/>
+        </p:nvSpPr>
+        <p:spPr>
+          <a:xfrm flipH="1">
+            <a:off x="4109023" y="4594136"/>
+            <a:ext cx="266700" cy="369332"/>
+          </a:xfrm>
+          <a:prstGeom prst="rect">
+            <a:avLst/>
+          </a:prstGeom>
+          <a:noFill/>
+        </p:spPr>
+        <p:txBody>
+          <a:bodyPr wrap="square" rtlCol="0">
+            <a:spAutoFit/>
+          </a:bodyPr>
+          <a:lstStyle/>
+          <a:p>
+            <a:r>
+              <a:rPr lang="fr-FR" dirty="0"/>
+              <a:t>n</a:t>
+            </a:r>
+          </a:p>
+        </p:txBody>
+      </p:sp>
+      <p:sp>
+        <p:nvSpPr>
+          <p:cNvPr id="19" name="ZoneTexte 18">
+            <a:extLst>
+              <a:ext uri="{FF2B5EF4-FFF2-40B4-BE49-F238E27FC236}">
+                <a16:creationId xmlns:a16="http://schemas.microsoft.com/office/drawing/2014/main" id="{08D6CE41-678D-403E-905D-C48B9F26D51D}"/>
+              </a:ext>
+            </a:extLst>
+          </p:cNvPr>
+          <p:cNvSpPr txBox="1"/>
+          <p:nvPr/>
+        </p:nvSpPr>
+        <p:spPr>
+          <a:xfrm>
+            <a:off x="8128138" y="3682136"/>
+            <a:ext cx="306494" cy="369332"/>
+          </a:xfrm>
+          <a:prstGeom prst="rect">
+            <a:avLst/>
+          </a:prstGeom>
+          <a:noFill/>
+        </p:spPr>
+        <p:txBody>
+          <a:bodyPr wrap="none" rtlCol="0">
+            <a:spAutoFit/>
+          </a:bodyPr>
+          <a:lstStyle/>
+          <a:p>
+            <a:r>
+              <a:rPr lang="fr-FR" dirty="0"/>
+              <a:t>n</a:t>
+            </a:r>
+          </a:p>
+        </p:txBody>
+      </p:sp>
+    </p:spTree>
+    <p:extLst>
+      <p:ext uri="{BB962C8B-B14F-4D97-AF65-F5344CB8AC3E}">
+        <p14:creationId xmlns:p14="http://schemas.microsoft.com/office/powerpoint/2010/main" val="1390508915"/>
+      </p:ext>
+    </p:extLst>
+  </p:cSld>
+  <p:clrMapOvr>
+    <a:masterClrMapping/>
+  </p:clrMapOvr>
+</p:sld>
+</file>
+
 <file path=ppt/theme/theme1.xml><?xml version="1.0" encoding="utf-8"?>
 <a:theme xmlns:a="http://schemas.openxmlformats.org/drawingml/2006/main" name="Thème Office">
   <a:themeElements>
